--- a/how2heap/house_of_gods/house_of_gods.pptx
+++ b/how2heap/house_of_gods/house_of_gods.pptx
@@ -17,19 +17,19 @@
     <p:sldId id="296" r:id="rId11"/>
     <p:sldId id="320" r:id="rId12"/>
     <p:sldId id="321" r:id="rId13"/>
-    <p:sldId id="322" r:id="rId14"/>
-    <p:sldId id="323" r:id="rId15"/>
-    <p:sldId id="324" r:id="rId16"/>
-    <p:sldId id="325" r:id="rId17"/>
-    <p:sldId id="326" r:id="rId18"/>
-    <p:sldId id="328" r:id="rId19"/>
-    <p:sldId id="329" r:id="rId20"/>
-    <p:sldId id="330" r:id="rId21"/>
-    <p:sldId id="331" r:id="rId22"/>
-    <p:sldId id="332" r:id="rId23"/>
-    <p:sldId id="333" r:id="rId24"/>
-    <p:sldId id="335" r:id="rId25"/>
-    <p:sldId id="336" r:id="rId26"/>
+    <p:sldId id="338" r:id="rId14"/>
+    <p:sldId id="339" r:id="rId15"/>
+    <p:sldId id="323" r:id="rId16"/>
+    <p:sldId id="337" r:id="rId17"/>
+    <p:sldId id="324" r:id="rId18"/>
+    <p:sldId id="326" r:id="rId19"/>
+    <p:sldId id="328" r:id="rId20"/>
+    <p:sldId id="329" r:id="rId21"/>
+    <p:sldId id="330" r:id="rId22"/>
+    <p:sldId id="331" r:id="rId23"/>
+    <p:sldId id="332" r:id="rId24"/>
+    <p:sldId id="333" r:id="rId25"/>
+    <p:sldId id="335" r:id="rId26"/>
   </p:sldIdLst>
   <p:sldSz cx="12192000" cy="6858000"/>
   <p:notesSz cx="6858000" cy="9144000"/>
@@ -267,7 +267,7 @@
           <a:p>
             <a:fld id="{867CF7D2-9367-45E5-B2E7-A967028F5BE8}" type="datetimeFigureOut">
               <a:rPr lang="zh-CN" altLang="en-US" smtClean="0"/>
-              <a:t>2025/5/21</a:t>
+              <a:t>2025/5/31</a:t>
             </a:fld>
             <a:endParaRPr lang="zh-CN" altLang="en-US"/>
           </a:p>
@@ -437,7 +437,7 @@
           <a:p>
             <a:fld id="{867CF7D2-9367-45E5-B2E7-A967028F5BE8}" type="datetimeFigureOut">
               <a:rPr lang="zh-CN" altLang="en-US" smtClean="0"/>
-              <a:t>2025/5/21</a:t>
+              <a:t>2025/5/31</a:t>
             </a:fld>
             <a:endParaRPr lang="zh-CN" altLang="en-US"/>
           </a:p>
@@ -617,7 +617,7 @@
           <a:p>
             <a:fld id="{867CF7D2-9367-45E5-B2E7-A967028F5BE8}" type="datetimeFigureOut">
               <a:rPr lang="zh-CN" altLang="en-US" smtClean="0"/>
-              <a:t>2025/5/21</a:t>
+              <a:t>2025/5/31</a:t>
             </a:fld>
             <a:endParaRPr lang="zh-CN" altLang="en-US"/>
           </a:p>
@@ -787,7 +787,7 @@
           <a:p>
             <a:fld id="{867CF7D2-9367-45E5-B2E7-A967028F5BE8}" type="datetimeFigureOut">
               <a:rPr lang="zh-CN" altLang="en-US" smtClean="0"/>
-              <a:t>2025/5/21</a:t>
+              <a:t>2025/5/31</a:t>
             </a:fld>
             <a:endParaRPr lang="zh-CN" altLang="en-US"/>
           </a:p>
@@ -1033,7 +1033,7 @@
           <a:p>
             <a:fld id="{867CF7D2-9367-45E5-B2E7-A967028F5BE8}" type="datetimeFigureOut">
               <a:rPr lang="zh-CN" altLang="en-US" smtClean="0"/>
-              <a:t>2025/5/21</a:t>
+              <a:t>2025/5/31</a:t>
             </a:fld>
             <a:endParaRPr lang="zh-CN" altLang="en-US"/>
           </a:p>
@@ -1265,7 +1265,7 @@
           <a:p>
             <a:fld id="{867CF7D2-9367-45E5-B2E7-A967028F5BE8}" type="datetimeFigureOut">
               <a:rPr lang="zh-CN" altLang="en-US" smtClean="0"/>
-              <a:t>2025/5/21</a:t>
+              <a:t>2025/5/31</a:t>
             </a:fld>
             <a:endParaRPr lang="zh-CN" altLang="en-US"/>
           </a:p>
@@ -1632,7 +1632,7 @@
           <a:p>
             <a:fld id="{867CF7D2-9367-45E5-B2E7-A967028F5BE8}" type="datetimeFigureOut">
               <a:rPr lang="zh-CN" altLang="en-US" smtClean="0"/>
-              <a:t>2025/5/21</a:t>
+              <a:t>2025/5/31</a:t>
             </a:fld>
             <a:endParaRPr lang="zh-CN" altLang="en-US"/>
           </a:p>
@@ -1750,7 +1750,7 @@
           <a:p>
             <a:fld id="{867CF7D2-9367-45E5-B2E7-A967028F5BE8}" type="datetimeFigureOut">
               <a:rPr lang="zh-CN" altLang="en-US" smtClean="0"/>
-              <a:t>2025/5/21</a:t>
+              <a:t>2025/5/31</a:t>
             </a:fld>
             <a:endParaRPr lang="zh-CN" altLang="en-US"/>
           </a:p>
@@ -1845,7 +1845,7 @@
           <a:p>
             <a:fld id="{867CF7D2-9367-45E5-B2E7-A967028F5BE8}" type="datetimeFigureOut">
               <a:rPr lang="zh-CN" altLang="en-US" smtClean="0"/>
-              <a:t>2025/5/21</a:t>
+              <a:t>2025/5/31</a:t>
             </a:fld>
             <a:endParaRPr lang="zh-CN" altLang="en-US"/>
           </a:p>
@@ -2122,7 +2122,7 @@
           <a:p>
             <a:fld id="{867CF7D2-9367-45E5-B2E7-A967028F5BE8}" type="datetimeFigureOut">
               <a:rPr lang="zh-CN" altLang="en-US" smtClean="0"/>
-              <a:t>2025/5/21</a:t>
+              <a:t>2025/5/31</a:t>
             </a:fld>
             <a:endParaRPr lang="zh-CN" altLang="en-US"/>
           </a:p>
@@ -2375,7 +2375,7 @@
           <a:p>
             <a:fld id="{867CF7D2-9367-45E5-B2E7-A967028F5BE8}" type="datetimeFigureOut">
               <a:rPr lang="zh-CN" altLang="en-US" smtClean="0"/>
-              <a:t>2025/5/21</a:t>
+              <a:t>2025/5/31</a:t>
             </a:fld>
             <a:endParaRPr lang="zh-CN" altLang="en-US"/>
           </a:p>
@@ -2588,7 +2588,7 @@
           <a:p>
             <a:fld id="{867CF7D2-9367-45E5-B2E7-A967028F5BE8}" type="datetimeFigureOut">
               <a:rPr lang="zh-CN" altLang="en-US" smtClean="0"/>
-              <a:t>2025/5/21</a:t>
+              <a:t>2025/5/31</a:t>
             </a:fld>
             <a:endParaRPr lang="zh-CN" altLang="en-US"/>
           </a:p>
@@ -3263,7 +3263,7 @@
       </p:grpSpPr>
       <p:pic>
         <p:nvPicPr>
-          <p:cNvPr id="3" name="图片 2"/>
+          <p:cNvPr id="17" name="图片 16"/>
           <p:cNvPicPr>
             <a:picLocks noChangeAspect="1"/>
           </p:cNvPicPr>
@@ -3283,8 +3283,8 @@
         </p:blipFill>
         <p:spPr>
           <a:xfrm>
-            <a:off x="0" y="132411"/>
-            <a:ext cx="12192000" cy="6386286"/>
+            <a:off x="0" y="132406"/>
+            <a:ext cx="12192000" cy="6305899"/>
           </a:xfrm>
           <a:prstGeom prst="rect">
             <a:avLst/>
@@ -3294,7 +3294,7 @@
     </p:spTree>
     <p:extLst>
       <p:ext uri="{BB962C8B-B14F-4D97-AF65-F5344CB8AC3E}">
-        <p14:creationId xmlns:p14="http://schemas.microsoft.com/office/powerpoint/2010/main" val="1905174357"/>
+        <p14:creationId xmlns:p14="http://schemas.microsoft.com/office/powerpoint/2010/main" val="329575215"/>
       </p:ext>
     </p:extLst>
   </p:cSld>
@@ -3330,7 +3330,7 @@
       </p:grpSpPr>
       <p:pic>
         <p:nvPicPr>
-          <p:cNvPr id="3" name="图片 2"/>
+          <p:cNvPr id="6" name="图片 5"/>
           <p:cNvPicPr>
             <a:picLocks noChangeAspect="1"/>
           </p:cNvPicPr>
@@ -3350,7 +3350,7 @@
         </p:blipFill>
         <p:spPr>
           <a:xfrm>
-            <a:off x="0" y="132411"/>
+            <a:off x="0" y="132406"/>
             <a:ext cx="12192000" cy="6386286"/>
           </a:xfrm>
           <a:prstGeom prst="rect">
@@ -3361,7 +3361,7 @@
     </p:spTree>
     <p:extLst>
       <p:ext uri="{BB962C8B-B14F-4D97-AF65-F5344CB8AC3E}">
-        <p14:creationId xmlns:p14="http://schemas.microsoft.com/office/powerpoint/2010/main" val="2380883982"/>
+        <p14:creationId xmlns:p14="http://schemas.microsoft.com/office/powerpoint/2010/main" val="1118469272"/>
       </p:ext>
     </p:extLst>
   </p:cSld>
@@ -3397,7 +3397,7 @@
       </p:grpSpPr>
       <p:pic>
         <p:nvPicPr>
-          <p:cNvPr id="3" name="图片 2"/>
+          <p:cNvPr id="2" name="图片 1"/>
           <p:cNvPicPr>
             <a:picLocks noChangeAspect="1"/>
           </p:cNvPicPr>
@@ -3417,7 +3417,7 @@
         </p:blipFill>
         <p:spPr>
           <a:xfrm>
-            <a:off x="0" y="132411"/>
+            <a:off x="0" y="132408"/>
             <a:ext cx="12192000" cy="6386286"/>
           </a:xfrm>
           <a:prstGeom prst="rect">
@@ -3428,7 +3428,7 @@
     </p:spTree>
     <p:extLst>
       <p:ext uri="{BB962C8B-B14F-4D97-AF65-F5344CB8AC3E}">
-        <p14:creationId xmlns:p14="http://schemas.microsoft.com/office/powerpoint/2010/main" val="1626210332"/>
+        <p14:creationId xmlns:p14="http://schemas.microsoft.com/office/powerpoint/2010/main" val="2380883982"/>
       </p:ext>
     </p:extLst>
   </p:cSld>
@@ -3464,7 +3464,7 @@
       </p:grpSpPr>
       <p:pic>
         <p:nvPicPr>
-          <p:cNvPr id="3" name="图片 2"/>
+          <p:cNvPr id="2" name="图片 1"/>
           <p:cNvPicPr>
             <a:picLocks noChangeAspect="1"/>
           </p:cNvPicPr>
@@ -3495,7 +3495,7 @@
     </p:spTree>
     <p:extLst>
       <p:ext uri="{BB962C8B-B14F-4D97-AF65-F5344CB8AC3E}">
-        <p14:creationId xmlns:p14="http://schemas.microsoft.com/office/powerpoint/2010/main" val="3838964327"/>
+        <p14:creationId xmlns:p14="http://schemas.microsoft.com/office/powerpoint/2010/main" val="25801208"/>
       </p:ext>
     </p:extLst>
   </p:cSld>
@@ -3513,6 +3513,73 @@
 </file>
 
 <file path=ppt/slides/slide17.xml><?xml version="1.0" encoding="utf-8"?>
+<p:sld xmlns:a="http://schemas.openxmlformats.org/drawingml/2006/main" xmlns:r="http://schemas.openxmlformats.org/officeDocument/2006/relationships" xmlns:p="http://schemas.openxmlformats.org/presentationml/2006/main">
+  <p:cSld>
+    <p:spTree>
+      <p:nvGrpSpPr>
+        <p:cNvPr id="1" name=""/>
+        <p:cNvGrpSpPr/>
+        <p:nvPr/>
+      </p:nvGrpSpPr>
+      <p:grpSpPr>
+        <a:xfrm>
+          <a:off x="0" y="0"/>
+          <a:ext cx="0" cy="0"/>
+          <a:chOff x="0" y="0"/>
+          <a:chExt cx="0" cy="0"/>
+        </a:xfrm>
+      </p:grpSpPr>
+      <p:pic>
+        <p:nvPicPr>
+          <p:cNvPr id="2" name="图片 1"/>
+          <p:cNvPicPr>
+            <a:picLocks noChangeAspect="1"/>
+          </p:cNvPicPr>
+          <p:nvPr/>
+        </p:nvPicPr>
+        <p:blipFill>
+          <a:blip r:embed="rId2">
+            <a:extLst>
+              <a:ext uri="{28A0092B-C50C-407E-A947-70E740481C1C}">
+                <a14:useLocalDpi xmlns:a14="http://schemas.microsoft.com/office/drawing/2010/main" val="0"/>
+              </a:ext>
+            </a:extLst>
+          </a:blip>
+          <a:stretch>
+            <a:fillRect/>
+          </a:stretch>
+        </p:blipFill>
+        <p:spPr>
+          <a:xfrm>
+            <a:off x="0" y="132410"/>
+            <a:ext cx="12192000" cy="6386286"/>
+          </a:xfrm>
+          <a:prstGeom prst="rect">
+            <a:avLst/>
+          </a:prstGeom>
+        </p:spPr>
+      </p:pic>
+    </p:spTree>
+    <p:extLst>
+      <p:ext uri="{BB962C8B-B14F-4D97-AF65-F5344CB8AC3E}">
+        <p14:creationId xmlns:p14="http://schemas.microsoft.com/office/powerpoint/2010/main" val="1626210332"/>
+      </p:ext>
+    </p:extLst>
+  </p:cSld>
+  <p:clrMapOvr>
+    <a:masterClrMapping/>
+  </p:clrMapOvr>
+  <p:timing>
+    <p:tnLst>
+      <p:par>
+        <p:cTn id="1" dur="indefinite" restart="never" nodeType="tmRoot"/>
+      </p:par>
+    </p:tnLst>
+  </p:timing>
+</p:sld>
+</file>
+
+<file path=ppt/slides/slide18.xml><?xml version="1.0" encoding="utf-8"?>
 <p:sld xmlns:a="http://schemas.openxmlformats.org/drawingml/2006/main" xmlns:r="http://schemas.openxmlformats.org/officeDocument/2006/relationships" xmlns:p="http://schemas.openxmlformats.org/presentationml/2006/main">
   <p:cSld>
     <p:spTree>
@@ -3579,7 +3646,7 @@
 </p:sld>
 </file>
 
-<file path=ppt/slides/slide18.xml><?xml version="1.0" encoding="utf-8"?>
+<file path=ppt/slides/slide19.xml><?xml version="1.0" encoding="utf-8"?>
 <p:sld xmlns:a="http://schemas.openxmlformats.org/drawingml/2006/main" xmlns:r="http://schemas.openxmlformats.org/officeDocument/2006/relationships" xmlns:p="http://schemas.openxmlformats.org/presentationml/2006/main">
   <p:cSld>
     <p:spTree>
@@ -3630,73 +3697,6 @@
     <p:extLst>
       <p:ext uri="{BB962C8B-B14F-4D97-AF65-F5344CB8AC3E}">
         <p14:creationId xmlns:p14="http://schemas.microsoft.com/office/powerpoint/2010/main" val="2044971199"/>
-      </p:ext>
-    </p:extLst>
-  </p:cSld>
-  <p:clrMapOvr>
-    <a:masterClrMapping/>
-  </p:clrMapOvr>
-  <p:timing>
-    <p:tnLst>
-      <p:par>
-        <p:cTn id="1" dur="indefinite" restart="never" nodeType="tmRoot"/>
-      </p:par>
-    </p:tnLst>
-  </p:timing>
-</p:sld>
-</file>
-
-<file path=ppt/slides/slide19.xml><?xml version="1.0" encoding="utf-8"?>
-<p:sld xmlns:a="http://schemas.openxmlformats.org/drawingml/2006/main" xmlns:r="http://schemas.openxmlformats.org/officeDocument/2006/relationships" xmlns:p="http://schemas.openxmlformats.org/presentationml/2006/main">
-  <p:cSld>
-    <p:spTree>
-      <p:nvGrpSpPr>
-        <p:cNvPr id="1" name=""/>
-        <p:cNvGrpSpPr/>
-        <p:nvPr/>
-      </p:nvGrpSpPr>
-      <p:grpSpPr>
-        <a:xfrm>
-          <a:off x="0" y="0"/>
-          <a:ext cx="0" cy="0"/>
-          <a:chOff x="0" y="0"/>
-          <a:chExt cx="0" cy="0"/>
-        </a:xfrm>
-      </p:grpSpPr>
-      <p:pic>
-        <p:nvPicPr>
-          <p:cNvPr id="4" name="图片 3"/>
-          <p:cNvPicPr>
-            <a:picLocks noChangeAspect="1"/>
-          </p:cNvPicPr>
-          <p:nvPr/>
-        </p:nvPicPr>
-        <p:blipFill>
-          <a:blip r:embed="rId2">
-            <a:extLst>
-              <a:ext uri="{28A0092B-C50C-407E-A947-70E740481C1C}">
-                <a14:useLocalDpi xmlns:a14="http://schemas.microsoft.com/office/drawing/2010/main" val="0"/>
-              </a:ext>
-            </a:extLst>
-          </a:blip>
-          <a:stretch>
-            <a:fillRect/>
-          </a:stretch>
-        </p:blipFill>
-        <p:spPr>
-          <a:xfrm>
-            <a:off x="0" y="132411"/>
-            <a:ext cx="12192000" cy="6386286"/>
-          </a:xfrm>
-          <a:prstGeom prst="rect">
-            <a:avLst/>
-          </a:prstGeom>
-        </p:spPr>
-      </p:pic>
-    </p:spTree>
-    <p:extLst>
-      <p:ext uri="{BB962C8B-B14F-4D97-AF65-F5344CB8AC3E}">
-        <p14:creationId xmlns:p14="http://schemas.microsoft.com/office/powerpoint/2010/main" val="523377160"/>
       </p:ext>
     </p:extLst>
   </p:cSld>
@@ -3799,7 +3799,74 @@
       </p:grpSpPr>
       <p:pic>
         <p:nvPicPr>
-          <p:cNvPr id="3" name="图片 2"/>
+          <p:cNvPr id="2" name="图片 1"/>
+          <p:cNvPicPr>
+            <a:picLocks noChangeAspect="1"/>
+          </p:cNvPicPr>
+          <p:nvPr/>
+        </p:nvPicPr>
+        <p:blipFill>
+          <a:blip r:embed="rId2">
+            <a:extLst>
+              <a:ext uri="{28A0092B-C50C-407E-A947-70E740481C1C}">
+                <a14:useLocalDpi xmlns:a14="http://schemas.microsoft.com/office/drawing/2010/main" val="0"/>
+              </a:ext>
+            </a:extLst>
+          </a:blip>
+          <a:stretch>
+            <a:fillRect/>
+          </a:stretch>
+        </p:blipFill>
+        <p:spPr>
+          <a:xfrm>
+            <a:off x="0" y="132410"/>
+            <a:ext cx="12192000" cy="6386286"/>
+          </a:xfrm>
+          <a:prstGeom prst="rect">
+            <a:avLst/>
+          </a:prstGeom>
+        </p:spPr>
+      </p:pic>
+    </p:spTree>
+    <p:extLst>
+      <p:ext uri="{BB962C8B-B14F-4D97-AF65-F5344CB8AC3E}">
+        <p14:creationId xmlns:p14="http://schemas.microsoft.com/office/powerpoint/2010/main" val="523377160"/>
+      </p:ext>
+    </p:extLst>
+  </p:cSld>
+  <p:clrMapOvr>
+    <a:masterClrMapping/>
+  </p:clrMapOvr>
+  <p:timing>
+    <p:tnLst>
+      <p:par>
+        <p:cTn id="1" dur="indefinite" restart="never" nodeType="tmRoot"/>
+      </p:par>
+    </p:tnLst>
+  </p:timing>
+</p:sld>
+</file>
+
+<file path=ppt/slides/slide21.xml><?xml version="1.0" encoding="utf-8"?>
+<p:sld xmlns:a="http://schemas.openxmlformats.org/drawingml/2006/main" xmlns:r="http://schemas.openxmlformats.org/officeDocument/2006/relationships" xmlns:p="http://schemas.openxmlformats.org/presentationml/2006/main">
+  <p:cSld>
+    <p:spTree>
+      <p:nvGrpSpPr>
+        <p:cNvPr id="1" name=""/>
+        <p:cNvGrpSpPr/>
+        <p:nvPr/>
+      </p:nvGrpSpPr>
+      <p:grpSpPr>
+        <a:xfrm>
+          <a:off x="0" y="0"/>
+          <a:ext cx="0" cy="0"/>
+          <a:chOff x="0" y="0"/>
+          <a:chExt cx="0" cy="0"/>
+        </a:xfrm>
+      </p:grpSpPr>
+      <p:pic>
+        <p:nvPicPr>
+          <p:cNvPr id="2" name="图片 1"/>
           <p:cNvPicPr>
             <a:picLocks noChangeAspect="1"/>
           </p:cNvPicPr>
@@ -3847,7 +3914,7 @@
 </p:sld>
 </file>
 
-<file path=ppt/slides/slide21.xml><?xml version="1.0" encoding="utf-8"?>
+<file path=ppt/slides/slide22.xml><?xml version="1.0" encoding="utf-8"?>
 <p:sld xmlns:a="http://schemas.openxmlformats.org/drawingml/2006/main" xmlns:r="http://schemas.openxmlformats.org/officeDocument/2006/relationships" xmlns:p="http://schemas.openxmlformats.org/presentationml/2006/main">
   <p:cSld>
     <p:spTree>
@@ -3866,7 +3933,7 @@
       </p:grpSpPr>
       <p:pic>
         <p:nvPicPr>
-          <p:cNvPr id="3" name="图片 2"/>
+          <p:cNvPr id="2" name="图片 1"/>
           <p:cNvPicPr>
             <a:picLocks noChangeAspect="1"/>
           </p:cNvPicPr>
@@ -3914,7 +3981,7 @@
 </p:sld>
 </file>
 
-<file path=ppt/slides/slide22.xml><?xml version="1.0" encoding="utf-8"?>
+<file path=ppt/slides/slide23.xml><?xml version="1.0" encoding="utf-8"?>
 <p:sld xmlns:a="http://schemas.openxmlformats.org/drawingml/2006/main" xmlns:r="http://schemas.openxmlformats.org/officeDocument/2006/relationships" xmlns:p="http://schemas.openxmlformats.org/presentationml/2006/main">
   <p:cSld>
     <p:spTree>
@@ -3981,7 +4048,7 @@
 </p:sld>
 </file>
 
-<file path=ppt/slides/slide23.xml><?xml version="1.0" encoding="utf-8"?>
+<file path=ppt/slides/slide24.xml><?xml version="1.0" encoding="utf-8"?>
 <p:sld xmlns:a="http://schemas.openxmlformats.org/drawingml/2006/main" xmlns:r="http://schemas.openxmlformats.org/officeDocument/2006/relationships" xmlns:p="http://schemas.openxmlformats.org/presentationml/2006/main">
   <p:cSld>
     <p:spTree>
@@ -4048,7 +4115,7 @@
 </p:sld>
 </file>
 
-<file path=ppt/slides/slide24.xml><?xml version="1.0" encoding="utf-8"?>
+<file path=ppt/slides/slide25.xml><?xml version="1.0" encoding="utf-8"?>
 <p:sld xmlns:a="http://schemas.openxmlformats.org/drawingml/2006/main" xmlns:r="http://schemas.openxmlformats.org/officeDocument/2006/relationships" xmlns:p="http://schemas.openxmlformats.org/presentationml/2006/main">
   <p:cSld>
     <p:spTree>
@@ -4099,73 +4166,6 @@
     <p:extLst>
       <p:ext uri="{BB962C8B-B14F-4D97-AF65-F5344CB8AC3E}">
         <p14:creationId xmlns:p14="http://schemas.microsoft.com/office/powerpoint/2010/main" val="3005723251"/>
-      </p:ext>
-    </p:extLst>
-  </p:cSld>
-  <p:clrMapOvr>
-    <a:masterClrMapping/>
-  </p:clrMapOvr>
-  <p:timing>
-    <p:tnLst>
-      <p:par>
-        <p:cTn id="1" dur="indefinite" restart="never" nodeType="tmRoot"/>
-      </p:par>
-    </p:tnLst>
-  </p:timing>
-</p:sld>
-</file>
-
-<file path=ppt/slides/slide25.xml><?xml version="1.0" encoding="utf-8"?>
-<p:sld xmlns:a="http://schemas.openxmlformats.org/drawingml/2006/main" xmlns:r="http://schemas.openxmlformats.org/officeDocument/2006/relationships" xmlns:p="http://schemas.openxmlformats.org/presentationml/2006/main">
-  <p:cSld>
-    <p:spTree>
-      <p:nvGrpSpPr>
-        <p:cNvPr id="1" name=""/>
-        <p:cNvGrpSpPr/>
-        <p:nvPr/>
-      </p:nvGrpSpPr>
-      <p:grpSpPr>
-        <a:xfrm>
-          <a:off x="0" y="0"/>
-          <a:ext cx="0" cy="0"/>
-          <a:chOff x="0" y="0"/>
-          <a:chExt cx="0" cy="0"/>
-        </a:xfrm>
-      </p:grpSpPr>
-      <p:pic>
-        <p:nvPicPr>
-          <p:cNvPr id="2" name="图片 1"/>
-          <p:cNvPicPr>
-            <a:picLocks noChangeAspect="1"/>
-          </p:cNvPicPr>
-          <p:nvPr/>
-        </p:nvPicPr>
-        <p:blipFill>
-          <a:blip r:embed="rId2">
-            <a:extLst>
-              <a:ext uri="{28A0092B-C50C-407E-A947-70E740481C1C}">
-                <a14:useLocalDpi xmlns:a14="http://schemas.microsoft.com/office/drawing/2010/main" val="0"/>
-              </a:ext>
-            </a:extLst>
-          </a:blip>
-          <a:stretch>
-            <a:fillRect/>
-          </a:stretch>
-        </p:blipFill>
-        <p:spPr>
-          <a:xfrm>
-            <a:off x="0" y="132411"/>
-            <a:ext cx="12192000" cy="6386286"/>
-          </a:xfrm>
-          <a:prstGeom prst="rect">
-            <a:avLst/>
-          </a:prstGeom>
-        </p:spPr>
-      </p:pic>
-    </p:spTree>
-    <p:extLst>
-      <p:ext uri="{BB962C8B-B14F-4D97-AF65-F5344CB8AC3E}">
-        <p14:creationId xmlns:p14="http://schemas.microsoft.com/office/powerpoint/2010/main" val="2476565231"/>
       </p:ext>
     </p:extLst>
   </p:cSld>
